--- a/reference_content/Slides/NLP_2.pptx
+++ b/reference_content/Slides/NLP_2.pptx
@@ -17,16 +17,19 @@
     <p:sldId id="262" r:id="rId11"/>
     <p:sldId id="280" r:id="rId12"/>
     <p:sldId id="265" r:id="rId13"/>
-    <p:sldId id="276" r:id="rId14"/>
-    <p:sldId id="266" r:id="rId15"/>
-    <p:sldId id="267" r:id="rId16"/>
-    <p:sldId id="268" r:id="rId17"/>
-    <p:sldId id="269" r:id="rId18"/>
-    <p:sldId id="277" r:id="rId19"/>
-    <p:sldId id="278" r:id="rId20"/>
-    <p:sldId id="279" r:id="rId21"/>
-    <p:sldId id="263" r:id="rId22"/>
-    <p:sldId id="264" r:id="rId23"/>
+    <p:sldId id="283" r:id="rId14"/>
+    <p:sldId id="281" r:id="rId15"/>
+    <p:sldId id="276" r:id="rId16"/>
+    <p:sldId id="266" r:id="rId17"/>
+    <p:sldId id="267" r:id="rId18"/>
+    <p:sldId id="268" r:id="rId19"/>
+    <p:sldId id="269" r:id="rId20"/>
+    <p:sldId id="282" r:id="rId21"/>
+    <p:sldId id="277" r:id="rId22"/>
+    <p:sldId id="278" r:id="rId23"/>
+    <p:sldId id="279" r:id="rId24"/>
+    <p:sldId id="263" r:id="rId25"/>
+    <p:sldId id="264" r:id="rId26"/>
   </p:sldIdLst>
   <p:sldSz cx="12192000" cy="6858000"/>
   <p:notesSz cx="6858000" cy="9144000"/>
@@ -272,7 +275,7 @@
           <a:p>
             <a:fld id="{1C4D3139-13C9-D140-A605-51870A8CAC8E}" type="datetimeFigureOut">
               <a:rPr lang="en-US" smtClean="0"/>
-              <a:t>3/7/24</a:t>
+              <a:t>2/6/25</a:t>
             </a:fld>
             <a:endParaRPr lang="en-US"/>
           </a:p>
@@ -483,7 +486,7 @@
           <a:p>
             <a:fld id="{1C4D3139-13C9-D140-A605-51870A8CAC8E}" type="datetimeFigureOut">
               <a:rPr lang="en-US" smtClean="0"/>
-              <a:t>3/7/24</a:t>
+              <a:t>2/6/25</a:t>
             </a:fld>
             <a:endParaRPr lang="en-US"/>
           </a:p>
@@ -698,7 +701,7 @@
           <a:p>
             <a:fld id="{1C4D3139-13C9-D140-A605-51870A8CAC8E}" type="datetimeFigureOut">
               <a:rPr lang="en-US" smtClean="0"/>
-              <a:t>3/7/24</a:t>
+              <a:t>2/6/25</a:t>
             </a:fld>
             <a:endParaRPr lang="en-US"/>
           </a:p>
@@ -899,7 +902,7 @@
           <a:p>
             <a:fld id="{1C4D3139-13C9-D140-A605-51870A8CAC8E}" type="datetimeFigureOut">
               <a:rPr lang="en-US" smtClean="0"/>
-              <a:t>3/7/24</a:t>
+              <a:t>2/6/25</a:t>
             </a:fld>
             <a:endParaRPr lang="en-US"/>
           </a:p>
@@ -1178,7 +1181,7 @@
           <a:p>
             <a:fld id="{1C4D3139-13C9-D140-A605-51870A8CAC8E}" type="datetimeFigureOut">
               <a:rPr lang="en-US" smtClean="0"/>
-              <a:t>3/7/24</a:t>
+              <a:t>2/6/25</a:t>
             </a:fld>
             <a:endParaRPr lang="en-US"/>
           </a:p>
@@ -1446,7 +1449,7 @@
           <a:p>
             <a:fld id="{1C4D3139-13C9-D140-A605-51870A8CAC8E}" type="datetimeFigureOut">
               <a:rPr lang="en-US" smtClean="0"/>
-              <a:t>3/7/24</a:t>
+              <a:t>2/6/25</a:t>
             </a:fld>
             <a:endParaRPr lang="en-US"/>
           </a:p>
@@ -1862,7 +1865,7 @@
           <a:p>
             <a:fld id="{1C4D3139-13C9-D140-A605-51870A8CAC8E}" type="datetimeFigureOut">
               <a:rPr lang="en-US" smtClean="0"/>
-              <a:t>3/7/24</a:t>
+              <a:t>2/6/25</a:t>
             </a:fld>
             <a:endParaRPr lang="en-US"/>
           </a:p>
@@ -2011,7 +2014,7 @@
           <a:p>
             <a:fld id="{1C4D3139-13C9-D140-A605-51870A8CAC8E}" type="datetimeFigureOut">
               <a:rPr lang="en-US" smtClean="0"/>
-              <a:t>3/7/24</a:t>
+              <a:t>2/6/25</a:t>
             </a:fld>
             <a:endParaRPr lang="en-US"/>
           </a:p>
@@ -2137,7 +2140,7 @@
           <a:p>
             <a:fld id="{1C4D3139-13C9-D140-A605-51870A8CAC8E}" type="datetimeFigureOut">
               <a:rPr lang="en-US" smtClean="0"/>
-              <a:t>3/7/24</a:t>
+              <a:t>2/6/25</a:t>
             </a:fld>
             <a:endParaRPr lang="en-US"/>
           </a:p>
@@ -2388,7 +2391,7 @@
           <a:p>
             <a:fld id="{1C4D3139-13C9-D140-A605-51870A8CAC8E}" type="datetimeFigureOut">
               <a:rPr lang="en-US" smtClean="0"/>
-              <a:t>3/7/24</a:t>
+              <a:t>2/6/25</a:t>
             </a:fld>
             <a:endParaRPr lang="en-US"/>
           </a:p>
@@ -2833,7 +2836,7 @@
           <a:p>
             <a:fld id="{1C4D3139-13C9-D140-A605-51870A8CAC8E}" type="datetimeFigureOut">
               <a:rPr lang="en-US" smtClean="0"/>
-              <a:t>3/7/24</a:t>
+              <a:t>2/6/25</a:t>
             </a:fld>
             <a:endParaRPr lang="en-US"/>
           </a:p>
@@ -3160,7 +3163,7 @@
           <a:p>
             <a:fld id="{1C4D3139-13C9-D140-A605-51870A8CAC8E}" type="datetimeFigureOut">
               <a:rPr lang="en-US" smtClean="0"/>
-              <a:t>3/7/24</a:t>
+              <a:t>2/6/25</a:t>
             </a:fld>
             <a:endParaRPr lang="en-US"/>
           </a:p>
@@ -4269,7 +4272,7 @@
           <p:cNvPr id="2" name="Title 1">
             <a:extLst>
               <a:ext uri="{FF2B5EF4-FFF2-40B4-BE49-F238E27FC236}">
-                <a16:creationId xmlns:a16="http://schemas.microsoft.com/office/drawing/2014/main" id="{58EEC8AC-2DCC-B80D-D838-619FC0C4C14C}"/>
+                <a16:creationId xmlns:a16="http://schemas.microsoft.com/office/drawing/2014/main" id="{F369C7DA-D147-B95D-4158-D0B38510E4E5}"/>
               </a:ext>
             </a:extLst>
           </p:cNvPr>
@@ -4287,7 +4290,7 @@
           <a:p>
             <a:r>
               <a:rPr lang="en-US" dirty="0"/>
-              <a:t>Embedding Generating Tools</a:t>
+              <a:t>TSVD Results</a:t>
             </a:r>
           </a:p>
         </p:txBody>
@@ -4297,7 +4300,7 @@
           <p:cNvPr id="3" name="Content Placeholder 2">
             <a:extLst>
               <a:ext uri="{FF2B5EF4-FFF2-40B4-BE49-F238E27FC236}">
-                <a16:creationId xmlns:a16="http://schemas.microsoft.com/office/drawing/2014/main" id="{FABD49CF-7DD4-5F36-37EB-E24713DB8258}"/>
+                <a16:creationId xmlns:a16="http://schemas.microsoft.com/office/drawing/2014/main" id="{82002585-4190-C6A7-99FB-B59EBCB2064F}"/>
               </a:ext>
             </a:extLst>
           </p:cNvPr>
@@ -4308,19 +4311,87 @@
             <p:ph idx="1"/>
           </p:nvPr>
         </p:nvSpPr>
-        <p:spPr/>
-        <p:txBody>
-          <a:bodyPr/>
-          <a:lstStyle/>
-          <a:p>
-            <a:endParaRPr lang="en-US"/>
-          </a:p>
-        </p:txBody>
-      </p:sp>
+        <p:spPr>
+          <a:xfrm>
+            <a:off x="1451579" y="4412161"/>
+            <a:ext cx="9603275" cy="1641319"/>
+          </a:xfrm>
+        </p:spPr>
+        <p:txBody>
+          <a:bodyPr>
+            <a:normAutofit lnSpcReduction="10000"/>
+          </a:bodyPr>
+          <a:lstStyle/>
+          <a:p>
+            <a:r>
+              <a:rPr lang="en-US" dirty="0"/>
+              <a:t>This is an example of the ‘topics’ detected from </a:t>
+            </a:r>
+            <a:r>
+              <a:rPr lang="en-US" dirty="0" err="1"/>
+              <a:t>tsvd</a:t>
+            </a:r>
+            <a:r>
+              <a:rPr lang="en-US" dirty="0"/>
+              <a:t>. </a:t>
+            </a:r>
+          </a:p>
+          <a:p>
+            <a:pPr lvl="1"/>
+            <a:r>
+              <a:rPr lang="en-US" dirty="0"/>
+              <a:t>The topics are similar, as far as the model is concerned. </a:t>
+            </a:r>
+          </a:p>
+          <a:p>
+            <a:r>
+              <a:rPr lang="en-US" dirty="0"/>
+              <a:t>These topics aren’t defined from outside, the process learns them. </a:t>
+            </a:r>
+          </a:p>
+          <a:p>
+            <a:pPr lvl="1"/>
+            <a:r>
+              <a:rPr lang="en-US" dirty="0"/>
+              <a:t>The process has no understanding of meaning here, it’s just math. </a:t>
+            </a:r>
+          </a:p>
+        </p:txBody>
+      </p:sp>
+      <p:pic>
+        <p:nvPicPr>
+          <p:cNvPr id="4" name="Picture 3">
+            <a:extLst>
+              <a:ext uri="{FF2B5EF4-FFF2-40B4-BE49-F238E27FC236}">
+                <a16:creationId xmlns:a16="http://schemas.microsoft.com/office/drawing/2014/main" id="{839D5702-1E49-1F86-A71E-C991A9E91498}"/>
+              </a:ext>
+            </a:extLst>
+          </p:cNvPr>
+          <p:cNvPicPr>
+            <a:picLocks noChangeAspect="1"/>
+          </p:cNvPicPr>
+          <p:nvPr/>
+        </p:nvPicPr>
+        <p:blipFill>
+          <a:blip r:embed="rId2"/>
+          <a:stretch>
+            <a:fillRect/>
+          </a:stretch>
+        </p:blipFill>
+        <p:spPr>
+          <a:xfrm>
+            <a:off x="77276" y="2007066"/>
+            <a:ext cx="12037447" cy="2405095"/>
+          </a:xfrm>
+          <a:prstGeom prst="rect">
+            <a:avLst/>
+          </a:prstGeom>
+        </p:spPr>
+      </p:pic>
     </p:spTree>
     <p:extLst>
       <p:ext uri="{BB962C8B-B14F-4D97-AF65-F5344CB8AC3E}">
-        <p14:creationId xmlns:p14="http://schemas.microsoft.com/office/powerpoint/2010/main" val="1103754389"/>
+        <p14:creationId xmlns:p14="http://schemas.microsoft.com/office/powerpoint/2010/main" val="1714369486"/>
       </p:ext>
     </p:extLst>
   </p:cSld>
@@ -4352,6 +4423,229 @@
           <p:cNvPr id="2" name="Title 1">
             <a:extLst>
               <a:ext uri="{FF2B5EF4-FFF2-40B4-BE49-F238E27FC236}">
+                <a16:creationId xmlns:a16="http://schemas.microsoft.com/office/drawing/2014/main" id="{3808307A-86A8-4E2B-B16C-F1148CCD7C95}"/>
+              </a:ext>
+            </a:extLst>
+          </p:cNvPr>
+          <p:cNvSpPr>
+            <a:spLocks noGrp="1"/>
+          </p:cNvSpPr>
+          <p:nvPr>
+            <p:ph type="title"/>
+          </p:nvPr>
+        </p:nvSpPr>
+        <p:spPr/>
+        <p:txBody>
+          <a:bodyPr/>
+          <a:lstStyle/>
+          <a:p>
+            <a:r>
+              <a:rPr lang="en-US" dirty="0"/>
+              <a:t>Numbers from Words </a:t>
+            </a:r>
+          </a:p>
+        </p:txBody>
+      </p:sp>
+      <p:sp>
+        <p:nvSpPr>
+          <p:cNvPr id="3" name="Content Placeholder 2">
+            <a:extLst>
+              <a:ext uri="{FF2B5EF4-FFF2-40B4-BE49-F238E27FC236}">
+                <a16:creationId xmlns:a16="http://schemas.microsoft.com/office/drawing/2014/main" id="{EC19EA0C-E1BB-25C9-0019-7CFDEFCFE9F9}"/>
+              </a:ext>
+            </a:extLst>
+          </p:cNvPr>
+          <p:cNvSpPr>
+            <a:spLocks noGrp="1"/>
+          </p:cNvSpPr>
+          <p:nvPr>
+            <p:ph idx="1"/>
+          </p:nvPr>
+        </p:nvSpPr>
+        <p:spPr>
+          <a:xfrm>
+            <a:off x="1003853" y="1853754"/>
+            <a:ext cx="10644808" cy="4199727"/>
+          </a:xfrm>
+        </p:spPr>
+        <p:txBody>
+          <a:bodyPr/>
+          <a:lstStyle/>
+          <a:p>
+            <a:r>
+              <a:rPr lang="en-US" dirty="0"/>
+              <a:t>Every tool aims to generate some numeric representation of the text – needed </a:t>
+            </a:r>
+            <a:r>
+              <a:rPr lang="en-US"/>
+              <a:t>for model. </a:t>
+            </a:r>
+            <a:endParaRPr lang="en-US" dirty="0"/>
+          </a:p>
+          <a:p>
+            <a:r>
+              <a:rPr lang="en-US" dirty="0"/>
+              <a:t>Count vectorization does it with simple arithmetic. </a:t>
+            </a:r>
+          </a:p>
+          <a:p>
+            <a:r>
+              <a:rPr lang="en-US" dirty="0"/>
+              <a:t>TF-IDF does it with some algebra. </a:t>
+            </a:r>
+          </a:p>
+          <a:p>
+            <a:r>
+              <a:rPr lang="en-US" dirty="0"/>
+              <a:t>Truncated SVD does it with some linear algebra. </a:t>
+            </a:r>
+          </a:p>
+          <a:p>
+            <a:r>
+              <a:rPr lang="en-US" dirty="0"/>
+              <a:t>Other tools do it with predictive models. </a:t>
+            </a:r>
+          </a:p>
+          <a:p>
+            <a:r>
+              <a:rPr lang="en-US" dirty="0"/>
+              <a:t>Generally, we call the result of the models' embeddings (others do too, but term is less common): </a:t>
+            </a:r>
+          </a:p>
+          <a:p>
+            <a:pPr lvl="1"/>
+            <a:r>
+              <a:rPr lang="en-US" dirty="0"/>
+              <a:t>This embedding space is multi-dimensional – each term is represented by K numbers. </a:t>
+            </a:r>
+          </a:p>
+          <a:p>
+            <a:pPr lvl="1"/>
+            <a:r>
+              <a:rPr lang="en-US" dirty="0"/>
+              <a:t>The larger K gets, the more accurate our representation can be, given we have the data. </a:t>
+            </a:r>
+          </a:p>
+        </p:txBody>
+      </p:sp>
+    </p:spTree>
+    <p:extLst>
+      <p:ext uri="{BB962C8B-B14F-4D97-AF65-F5344CB8AC3E}">
+        <p14:creationId xmlns:p14="http://schemas.microsoft.com/office/powerpoint/2010/main" val="3763944849"/>
+      </p:ext>
+    </p:extLst>
+  </p:cSld>
+  <p:clrMapOvr>
+    <a:masterClrMapping/>
+  </p:clrMapOvr>
+</p:sld>
+</file>
+
+<file path=ppt/slides/slide15.xml><?xml version="1.0" encoding="utf-8"?>
+<p:sld xmlns:a="http://schemas.openxmlformats.org/drawingml/2006/main" xmlns:r="http://schemas.openxmlformats.org/officeDocument/2006/relationships" xmlns:p="http://schemas.openxmlformats.org/presentationml/2006/main">
+  <p:cSld>
+    <p:spTree>
+      <p:nvGrpSpPr>
+        <p:cNvPr id="1" name=""/>
+        <p:cNvGrpSpPr/>
+        <p:nvPr/>
+      </p:nvGrpSpPr>
+      <p:grpSpPr>
+        <a:xfrm>
+          <a:off x="0" y="0"/>
+          <a:ext cx="0" cy="0"/>
+          <a:chOff x="0" y="0"/>
+          <a:chExt cx="0" cy="0"/>
+        </a:xfrm>
+      </p:grpSpPr>
+      <p:sp>
+        <p:nvSpPr>
+          <p:cNvPr id="2" name="Title 1">
+            <a:extLst>
+              <a:ext uri="{FF2B5EF4-FFF2-40B4-BE49-F238E27FC236}">
+                <a16:creationId xmlns:a16="http://schemas.microsoft.com/office/drawing/2014/main" id="{58EEC8AC-2DCC-B80D-D838-619FC0C4C14C}"/>
+              </a:ext>
+            </a:extLst>
+          </p:cNvPr>
+          <p:cNvSpPr>
+            <a:spLocks noGrp="1"/>
+          </p:cNvSpPr>
+          <p:nvPr>
+            <p:ph type="title"/>
+          </p:nvPr>
+        </p:nvSpPr>
+        <p:spPr/>
+        <p:txBody>
+          <a:bodyPr/>
+          <a:lstStyle/>
+          <a:p>
+            <a:r>
+              <a:rPr lang="en-US" dirty="0"/>
+              <a:t>Embedding Generating Tools</a:t>
+            </a:r>
+          </a:p>
+        </p:txBody>
+      </p:sp>
+      <p:sp>
+        <p:nvSpPr>
+          <p:cNvPr id="3" name="Content Placeholder 2">
+            <a:extLst>
+              <a:ext uri="{FF2B5EF4-FFF2-40B4-BE49-F238E27FC236}">
+                <a16:creationId xmlns:a16="http://schemas.microsoft.com/office/drawing/2014/main" id="{FABD49CF-7DD4-5F36-37EB-E24713DB8258}"/>
+              </a:ext>
+            </a:extLst>
+          </p:cNvPr>
+          <p:cNvSpPr>
+            <a:spLocks noGrp="1"/>
+          </p:cNvSpPr>
+          <p:nvPr>
+            <p:ph idx="1"/>
+          </p:nvPr>
+        </p:nvSpPr>
+        <p:spPr/>
+        <p:txBody>
+          <a:bodyPr/>
+          <a:lstStyle/>
+          <a:p>
+            <a:endParaRPr lang="en-US"/>
+          </a:p>
+        </p:txBody>
+      </p:sp>
+    </p:spTree>
+    <p:extLst>
+      <p:ext uri="{BB962C8B-B14F-4D97-AF65-F5344CB8AC3E}">
+        <p14:creationId xmlns:p14="http://schemas.microsoft.com/office/powerpoint/2010/main" val="1103754389"/>
+      </p:ext>
+    </p:extLst>
+  </p:cSld>
+  <p:clrMapOvr>
+    <a:masterClrMapping/>
+  </p:clrMapOvr>
+</p:sld>
+</file>
+
+<file path=ppt/slides/slide16.xml><?xml version="1.0" encoding="utf-8"?>
+<p:sld xmlns:a="http://schemas.openxmlformats.org/drawingml/2006/main" xmlns:r="http://schemas.openxmlformats.org/officeDocument/2006/relationships" xmlns:p="http://schemas.openxmlformats.org/presentationml/2006/main">
+  <p:cSld>
+    <p:spTree>
+      <p:nvGrpSpPr>
+        <p:cNvPr id="1" name=""/>
+        <p:cNvGrpSpPr/>
+        <p:nvPr/>
+      </p:nvGrpSpPr>
+      <p:grpSpPr>
+        <a:xfrm>
+          <a:off x="0" y="0"/>
+          <a:ext cx="0" cy="0"/>
+          <a:chOff x="0" y="0"/>
+          <a:chExt cx="0" cy="0"/>
+        </a:xfrm>
+      </p:grpSpPr>
+      <p:sp>
+        <p:nvSpPr>
+          <p:cNvPr id="2" name="Title 1">
+            <a:extLst>
+              <a:ext uri="{FF2B5EF4-FFF2-40B4-BE49-F238E27FC236}">
                 <a16:creationId xmlns:a16="http://schemas.microsoft.com/office/drawing/2014/main" id="{79ABC1E9-9DB9-D348-83D2-878E06DE33E3}"/>
               </a:ext>
             </a:extLst>
@@ -4445,7 +4739,7 @@
 </p:sld>
 </file>
 
-<file path=ppt/slides/slide15.xml><?xml version="1.0" encoding="utf-8"?>
+<file path=ppt/slides/slide17.xml><?xml version="1.0" encoding="utf-8"?>
 <p:sld xmlns:a="http://schemas.openxmlformats.org/drawingml/2006/main" xmlns:r="http://schemas.openxmlformats.org/officeDocument/2006/relationships" xmlns:p="http://schemas.openxmlformats.org/presentationml/2006/main">
   <p:cSld>
     <p:spTree>
@@ -4595,7 +4889,7 @@
 </p:sld>
 </file>
 
-<file path=ppt/slides/slide16.xml><?xml version="1.0" encoding="utf-8"?>
+<file path=ppt/slides/slide18.xml><?xml version="1.0" encoding="utf-8"?>
 <p:sld xmlns:a="http://schemas.openxmlformats.org/drawingml/2006/main" xmlns:r="http://schemas.openxmlformats.org/officeDocument/2006/relationships" xmlns:p="http://schemas.openxmlformats.org/presentationml/2006/main">
   <p:cSld>
     <p:spTree>
@@ -4725,7 +5019,7 @@
 </p:sld>
 </file>
 
-<file path=ppt/slides/slide17.xml><?xml version="1.0" encoding="utf-8"?>
+<file path=ppt/slides/slide19.xml><?xml version="1.0" encoding="utf-8"?>
 <p:sld xmlns:a="http://schemas.openxmlformats.org/drawingml/2006/main" xmlns:r="http://schemas.openxmlformats.org/officeDocument/2006/relationships" xmlns:p="http://schemas.openxmlformats.org/presentationml/2006/main">
   <p:cSld>
     <p:spTree>
@@ -4855,7 +5149,7 @@
 </p:sld>
 </file>
 
-<file path=ppt/slides/slide18.xml><?xml version="1.0" encoding="utf-8"?>
+<file path=ppt/slides/slide2.xml><?xml version="1.0" encoding="utf-8"?>
 <p:sld xmlns:a="http://schemas.openxmlformats.org/drawingml/2006/main" xmlns:r="http://schemas.openxmlformats.org/officeDocument/2006/relationships" xmlns:p="http://schemas.openxmlformats.org/presentationml/2006/main">
   <p:cSld>
     <p:spTree>
@@ -4877,6 +5171,260 @@
           <p:cNvPr id="2" name="Title 1">
             <a:extLst>
               <a:ext uri="{FF2B5EF4-FFF2-40B4-BE49-F238E27FC236}">
+                <a16:creationId xmlns:a16="http://schemas.microsoft.com/office/drawing/2014/main" id="{A4FF979B-3BE2-8A46-8F66-12A03A428907}"/>
+              </a:ext>
+            </a:extLst>
+          </p:cNvPr>
+          <p:cNvSpPr>
+            <a:spLocks noGrp="1"/>
+          </p:cNvSpPr>
+          <p:nvPr>
+            <p:ph type="ctrTitle"/>
+          </p:nvPr>
+        </p:nvSpPr>
+        <p:spPr/>
+        <p:txBody>
+          <a:bodyPr/>
+          <a:lstStyle/>
+          <a:p>
+            <a:r>
+              <a:rPr lang="en-US" dirty="0"/>
+              <a:t>NLP Part 2</a:t>
+            </a:r>
+          </a:p>
+        </p:txBody>
+      </p:sp>
+      <p:sp>
+        <p:nvSpPr>
+          <p:cNvPr id="3" name="Subtitle 2">
+            <a:extLst>
+              <a:ext uri="{FF2B5EF4-FFF2-40B4-BE49-F238E27FC236}">
+                <a16:creationId xmlns:a16="http://schemas.microsoft.com/office/drawing/2014/main" id="{726EF9AF-2934-5C49-BEA4-8229E37E25B1}"/>
+              </a:ext>
+            </a:extLst>
+          </p:cNvPr>
+          <p:cNvSpPr>
+            <a:spLocks noGrp="1"/>
+          </p:cNvSpPr>
+          <p:nvPr>
+            <p:ph type="subTitle" idx="1"/>
+          </p:nvPr>
+        </p:nvSpPr>
+        <p:spPr/>
+        <p:txBody>
+          <a:bodyPr/>
+          <a:lstStyle/>
+          <a:p>
+            <a:endParaRPr lang="en-US"/>
+          </a:p>
+        </p:txBody>
+      </p:sp>
+    </p:spTree>
+    <p:extLst>
+      <p:ext uri="{BB962C8B-B14F-4D97-AF65-F5344CB8AC3E}">
+        <p14:creationId xmlns:p14="http://schemas.microsoft.com/office/powerpoint/2010/main" val="1673785752"/>
+      </p:ext>
+    </p:extLst>
+  </p:cSld>
+  <p:clrMapOvr>
+    <a:masterClrMapping/>
+  </p:clrMapOvr>
+</p:sld>
+</file>
+
+<file path=ppt/slides/slide20.xml><?xml version="1.0" encoding="utf-8"?>
+<p:sld xmlns:a="http://schemas.openxmlformats.org/drawingml/2006/main" xmlns:r="http://schemas.openxmlformats.org/officeDocument/2006/relationships" xmlns:p="http://schemas.openxmlformats.org/presentationml/2006/main">
+  <p:cSld>
+    <p:spTree>
+      <p:nvGrpSpPr>
+        <p:cNvPr id="1" name=""/>
+        <p:cNvGrpSpPr/>
+        <p:nvPr/>
+      </p:nvGrpSpPr>
+      <p:grpSpPr>
+        <a:xfrm>
+          <a:off x="0" y="0"/>
+          <a:ext cx="0" cy="0"/>
+          <a:chOff x="0" y="0"/>
+          <a:chExt cx="0" cy="0"/>
+        </a:xfrm>
+      </p:grpSpPr>
+      <p:sp>
+        <p:nvSpPr>
+          <p:cNvPr id="2" name="Title 1">
+            <a:extLst>
+              <a:ext uri="{FF2B5EF4-FFF2-40B4-BE49-F238E27FC236}">
+                <a16:creationId xmlns:a16="http://schemas.microsoft.com/office/drawing/2014/main" id="{AD0F2834-A31C-84B8-F900-96154C9037B1}"/>
+              </a:ext>
+            </a:extLst>
+          </p:cNvPr>
+          <p:cNvSpPr>
+            <a:spLocks noGrp="1"/>
+          </p:cNvSpPr>
+          <p:nvPr>
+            <p:ph type="title"/>
+          </p:nvPr>
+        </p:nvSpPr>
+        <p:spPr/>
+        <p:txBody>
+          <a:bodyPr/>
+          <a:lstStyle/>
+          <a:p>
+            <a:r>
+              <a:rPr lang="en-US" dirty="0"/>
+              <a:t>Embeddings Visualized</a:t>
+            </a:r>
+          </a:p>
+        </p:txBody>
+      </p:sp>
+      <p:sp>
+        <p:nvSpPr>
+          <p:cNvPr id="3" name="Content Placeholder 2">
+            <a:extLst>
+              <a:ext uri="{FF2B5EF4-FFF2-40B4-BE49-F238E27FC236}">
+                <a16:creationId xmlns:a16="http://schemas.microsoft.com/office/drawing/2014/main" id="{9A15553F-CA0B-6416-03B4-D3C6F36FEBBE}"/>
+              </a:ext>
+            </a:extLst>
+          </p:cNvPr>
+          <p:cNvSpPr>
+            <a:spLocks noGrp="1"/>
+          </p:cNvSpPr>
+          <p:nvPr>
+            <p:ph idx="1"/>
+          </p:nvPr>
+        </p:nvSpPr>
+        <p:spPr>
+          <a:xfrm>
+            <a:off x="162839" y="1853754"/>
+            <a:ext cx="5326716" cy="4278689"/>
+          </a:xfrm>
+        </p:spPr>
+        <p:txBody>
+          <a:bodyPr/>
+          <a:lstStyle/>
+          <a:p>
+            <a:r>
+              <a:rPr lang="en-US" dirty="0"/>
+              <a:t>Each token is represented in K dimensions. </a:t>
+            </a:r>
+          </a:p>
+          <a:p>
+            <a:pPr lvl="1"/>
+            <a:r>
+              <a:rPr lang="en-US" dirty="0"/>
+              <a:t>Larger k, more complex representation. </a:t>
+            </a:r>
+          </a:p>
+          <a:p>
+            <a:pPr lvl="1"/>
+            <a:r>
+              <a:rPr lang="en-US" dirty="0"/>
+              <a:t>Data needs scale rapidly. </a:t>
+            </a:r>
+          </a:p>
+          <a:p>
+            <a:r>
+              <a:rPr lang="en-US" dirty="0"/>
+              <a:t>Those dimensions aren’t predefined as they are here, that’s what the embedding system learns. </a:t>
+            </a:r>
+          </a:p>
+          <a:p>
+            <a:pPr lvl="1"/>
+            <a:r>
+              <a:rPr lang="en-US" dirty="0"/>
+              <a:t>They aren’t human dimensions, they’re machine dimensions. </a:t>
+            </a:r>
+          </a:p>
+          <a:p>
+            <a:r>
+              <a:rPr lang="en-US" dirty="0"/>
+              <a:t>The accuracy of this embedding determines how well the model handles the meaning of each word. </a:t>
+            </a:r>
+          </a:p>
+        </p:txBody>
+      </p:sp>
+      <p:pic>
+        <p:nvPicPr>
+          <p:cNvPr id="1026" name="Picture 2" descr="Word Embedding: Basics. Create a vector from a word | by Hariom Gautam |  Medium">
+            <a:extLst>
+              <a:ext uri="{FF2B5EF4-FFF2-40B4-BE49-F238E27FC236}">
+                <a16:creationId xmlns:a16="http://schemas.microsoft.com/office/drawing/2014/main" id="{3C7A720A-0AFD-B354-E87C-3B3DBBE4D983}"/>
+              </a:ext>
+            </a:extLst>
+          </p:cNvPr>
+          <p:cNvPicPr>
+            <a:picLocks noChangeAspect="1" noChangeArrowheads="1"/>
+          </p:cNvPicPr>
+          <p:nvPr/>
+        </p:nvPicPr>
+        <p:blipFill>
+          <a:blip r:embed="rId2">
+            <a:extLst>
+              <a:ext uri="{28A0092B-C50C-407E-A947-70E740481C1C}">
+                <a14:useLocalDpi xmlns:a14="http://schemas.microsoft.com/office/drawing/2010/main" val="0"/>
+              </a:ext>
+            </a:extLst>
+          </a:blip>
+          <a:srcRect/>
+          <a:stretch>
+            <a:fillRect/>
+          </a:stretch>
+        </p:blipFill>
+        <p:spPr bwMode="auto">
+          <a:xfrm>
+            <a:off x="5489554" y="1490500"/>
+            <a:ext cx="6702446" cy="5004246"/>
+          </a:xfrm>
+          <a:prstGeom prst="rect">
+            <a:avLst/>
+          </a:prstGeom>
+          <a:noFill/>
+          <a:extLst>
+            <a:ext uri="{909E8E84-426E-40DD-AFC4-6F175D3DCCD1}">
+              <a14:hiddenFill xmlns:a14="http://schemas.microsoft.com/office/drawing/2010/main">
+                <a:solidFill>
+                  <a:srgbClr val="FFFFFF"/>
+                </a:solidFill>
+              </a14:hiddenFill>
+            </a:ext>
+          </a:extLst>
+        </p:spPr>
+      </p:pic>
+    </p:spTree>
+    <p:extLst>
+      <p:ext uri="{BB962C8B-B14F-4D97-AF65-F5344CB8AC3E}">
+        <p14:creationId xmlns:p14="http://schemas.microsoft.com/office/powerpoint/2010/main" val="4231532232"/>
+      </p:ext>
+    </p:extLst>
+  </p:cSld>
+  <p:clrMapOvr>
+    <a:masterClrMapping/>
+  </p:clrMapOvr>
+</p:sld>
+</file>
+
+<file path=ppt/slides/slide21.xml><?xml version="1.0" encoding="utf-8"?>
+<p:sld xmlns:a="http://schemas.openxmlformats.org/drawingml/2006/main" xmlns:r="http://schemas.openxmlformats.org/officeDocument/2006/relationships" xmlns:p="http://schemas.openxmlformats.org/presentationml/2006/main">
+  <p:cSld>
+    <p:spTree>
+      <p:nvGrpSpPr>
+        <p:cNvPr id="1" name=""/>
+        <p:cNvGrpSpPr/>
+        <p:nvPr/>
+      </p:nvGrpSpPr>
+      <p:grpSpPr>
+        <a:xfrm>
+          <a:off x="0" y="0"/>
+          <a:ext cx="0" cy="0"/>
+          <a:chOff x="0" y="0"/>
+          <a:chExt cx="0" cy="0"/>
+        </a:xfrm>
+      </p:grpSpPr>
+      <p:sp>
+        <p:nvSpPr>
+          <p:cNvPr id="2" name="Title 1">
+            <a:extLst>
+              <a:ext uri="{FF2B5EF4-FFF2-40B4-BE49-F238E27FC236}">
                 <a16:creationId xmlns:a16="http://schemas.microsoft.com/office/drawing/2014/main" id="{8159B03E-04F7-EF5A-D8D9-115A09709A19}"/>
               </a:ext>
             </a:extLst>
@@ -4992,7 +5540,7 @@
 </p:sld>
 </file>
 
-<file path=ppt/slides/slide19.xml><?xml version="1.0" encoding="utf-8"?>
+<file path=ppt/slides/slide22.xml><?xml version="1.0" encoding="utf-8"?>
 <p:sld xmlns:a="http://schemas.openxmlformats.org/drawingml/2006/main" xmlns:r="http://schemas.openxmlformats.org/officeDocument/2006/relationships" xmlns:p="http://schemas.openxmlformats.org/presentationml/2006/main">
   <p:cSld>
     <p:spTree>
@@ -5119,90 +5667,7 @@
 </p:sld>
 </file>
 
-<file path=ppt/slides/slide2.xml><?xml version="1.0" encoding="utf-8"?>
-<p:sld xmlns:a="http://schemas.openxmlformats.org/drawingml/2006/main" xmlns:r="http://schemas.openxmlformats.org/officeDocument/2006/relationships" xmlns:p="http://schemas.openxmlformats.org/presentationml/2006/main">
-  <p:cSld>
-    <p:spTree>
-      <p:nvGrpSpPr>
-        <p:cNvPr id="1" name=""/>
-        <p:cNvGrpSpPr/>
-        <p:nvPr/>
-      </p:nvGrpSpPr>
-      <p:grpSpPr>
-        <a:xfrm>
-          <a:off x="0" y="0"/>
-          <a:ext cx="0" cy="0"/>
-          <a:chOff x="0" y="0"/>
-          <a:chExt cx="0" cy="0"/>
-        </a:xfrm>
-      </p:grpSpPr>
-      <p:sp>
-        <p:nvSpPr>
-          <p:cNvPr id="2" name="Title 1">
-            <a:extLst>
-              <a:ext uri="{FF2B5EF4-FFF2-40B4-BE49-F238E27FC236}">
-                <a16:creationId xmlns:a16="http://schemas.microsoft.com/office/drawing/2014/main" id="{A4FF979B-3BE2-8A46-8F66-12A03A428907}"/>
-              </a:ext>
-            </a:extLst>
-          </p:cNvPr>
-          <p:cNvSpPr>
-            <a:spLocks noGrp="1"/>
-          </p:cNvSpPr>
-          <p:nvPr>
-            <p:ph type="ctrTitle"/>
-          </p:nvPr>
-        </p:nvSpPr>
-        <p:spPr/>
-        <p:txBody>
-          <a:bodyPr/>
-          <a:lstStyle/>
-          <a:p>
-            <a:r>
-              <a:rPr lang="en-US" dirty="0"/>
-              <a:t>NLP Part 2</a:t>
-            </a:r>
-          </a:p>
-        </p:txBody>
-      </p:sp>
-      <p:sp>
-        <p:nvSpPr>
-          <p:cNvPr id="3" name="Subtitle 2">
-            <a:extLst>
-              <a:ext uri="{FF2B5EF4-FFF2-40B4-BE49-F238E27FC236}">
-                <a16:creationId xmlns:a16="http://schemas.microsoft.com/office/drawing/2014/main" id="{726EF9AF-2934-5C49-BEA4-8229E37E25B1}"/>
-              </a:ext>
-            </a:extLst>
-          </p:cNvPr>
-          <p:cNvSpPr>
-            <a:spLocks noGrp="1"/>
-          </p:cNvSpPr>
-          <p:nvPr>
-            <p:ph type="subTitle" idx="1"/>
-          </p:nvPr>
-        </p:nvSpPr>
-        <p:spPr/>
-        <p:txBody>
-          <a:bodyPr/>
-          <a:lstStyle/>
-          <a:p>
-            <a:endParaRPr lang="en-US"/>
-          </a:p>
-        </p:txBody>
-      </p:sp>
-    </p:spTree>
-    <p:extLst>
-      <p:ext uri="{BB962C8B-B14F-4D97-AF65-F5344CB8AC3E}">
-        <p14:creationId xmlns:p14="http://schemas.microsoft.com/office/powerpoint/2010/main" val="1673785752"/>
-      </p:ext>
-    </p:extLst>
-  </p:cSld>
-  <p:clrMapOvr>
-    <a:masterClrMapping/>
-  </p:clrMapOvr>
-</p:sld>
-</file>
-
-<file path=ppt/slides/slide20.xml><?xml version="1.0" encoding="utf-8"?>
+<file path=ppt/slides/slide23.xml><?xml version="1.0" encoding="utf-8"?>
 <p:sld xmlns:a="http://schemas.openxmlformats.org/drawingml/2006/main" xmlns:r="http://schemas.openxmlformats.org/officeDocument/2006/relationships" xmlns:p="http://schemas.openxmlformats.org/presentationml/2006/main">
   <p:cSld>
     <p:spTree>
@@ -5329,7 +5794,7 @@
 </p:sld>
 </file>
 
-<file path=ppt/slides/slide21.xml><?xml version="1.0" encoding="utf-8"?>
+<file path=ppt/slides/slide24.xml><?xml version="1.0" encoding="utf-8"?>
 <p:sld xmlns:a="http://schemas.openxmlformats.org/drawingml/2006/main" xmlns:r="http://schemas.openxmlformats.org/officeDocument/2006/relationships" xmlns:p="http://schemas.openxmlformats.org/presentationml/2006/main">
   <p:cSld>
     <p:spTree>
@@ -5390,9 +5855,16 @@
             <p:ph idx="1"/>
           </p:nvPr>
         </p:nvSpPr>
-        <p:spPr/>
-        <p:txBody>
-          <a:bodyPr/>
+        <p:spPr>
+          <a:xfrm>
+            <a:off x="1451579" y="1853754"/>
+            <a:ext cx="9603275" cy="4199727"/>
+          </a:xfrm>
+        </p:spPr>
+        <p:txBody>
+          <a:bodyPr>
+            <a:normAutofit lnSpcReduction="10000"/>
+          </a:bodyPr>
           <a:lstStyle/>
           <a:p>
             <a:r>
@@ -5414,6 +5886,13 @@
             </a:r>
           </a:p>
           <a:p>
+            <a:pPr lvl="1"/>
+            <a:r>
+              <a:rPr lang="en-US" dirty="0"/>
+              <a:t>The #1 determinant of future language models will probably be access to human written text.</a:t>
+            </a:r>
+          </a:p>
+          <a:p>
             <a:r>
               <a:rPr lang="en-US" dirty="0"/>
               <a:t>Preprocessing choices can make massive differences:</a:t>
@@ -5424,6 +5903,26 @@
             <a:r>
               <a:rPr lang="en-US" dirty="0"/>
               <a:t>Stemming, lemmatization, stop words, and n-gram size all vary widely depending on context. </a:t>
+            </a:r>
+          </a:p>
+          <a:p>
+            <a:r>
+              <a:rPr lang="en-US" dirty="0"/>
+              <a:t>The embedding space quality matters as much or more than the predictor. </a:t>
+            </a:r>
+          </a:p>
+          <a:p>
+            <a:pPr lvl="1"/>
+            <a:r>
+              <a:rPr lang="en-US" dirty="0"/>
+              <a:t>Like images, we must represent text as numbers – how well we do this is critical. </a:t>
+            </a:r>
+          </a:p>
+          <a:p>
+            <a:pPr lvl="1"/>
+            <a:r>
+              <a:rPr lang="en-US" dirty="0"/>
+              <a:t>This is a source of irreducible error for the predictive model. </a:t>
             </a:r>
           </a:p>
           <a:p>
@@ -5448,7 +5947,7 @@
 </p:sld>
 </file>
 
-<file path=ppt/slides/slide22.xml><?xml version="1.0" encoding="utf-8"?>
+<file path=ppt/slides/slide25.xml><?xml version="1.0" encoding="utf-8"?>
 <p:sld xmlns:a="http://schemas.openxmlformats.org/drawingml/2006/main" xmlns:r="http://schemas.openxmlformats.org/officeDocument/2006/relationships" xmlns:p="http://schemas.openxmlformats.org/presentationml/2006/main">
   <p:cSld>
     <p:spTree>
@@ -5563,6 +6062,13 @@
             <a:r>
               <a:rPr lang="en-US" dirty="0"/>
               <a:t>I.e. what value (in N-dim) should the next word have? Choose a word that is embedded close to that ‘correct’ word. </a:t>
+            </a:r>
+          </a:p>
+          <a:p>
+            <a:pPr lvl="1"/>
+            <a:r>
+              <a:rPr lang="en-US" dirty="0"/>
+              <a:t>Precursor to the types of models that are used for modern text generation, transformers. </a:t>
             </a:r>
           </a:p>
         </p:txBody>
@@ -6378,8 +6884,8 @@
         </p:nvSpPr>
         <p:spPr>
           <a:xfrm>
-            <a:off x="566057" y="2015734"/>
-            <a:ext cx="6507806" cy="4037747"/>
+            <a:off x="150175" y="2015734"/>
+            <a:ext cx="6923688" cy="4037747"/>
           </a:xfrm>
         </p:spPr>
         <p:txBody>
